--- a/docs/images/MultiClusterIngress.pptx
+++ b/docs/images/MultiClusterIngress.pptx
@@ -109,6 +109,11 @@
       </a:defRPr>
     </a:lvl9pPr>
   </p:defaultTextStyle>
+  <p:extLst>
+    <p:ext uri="{EFAFB233-063F-42B5-8137-9DF3F51BA10A}">
+      <p15:sldGuideLst xmlns:p15="http://schemas.microsoft.com/office/powerpoint/2012/main"/>
+    </p:ext>
+  </p:extLst>
 </p:presentation>
 </file>
 
@@ -6274,10 +6279,9 @@
           <a:p>
             <a:pPr algn="ctr"/>
             <a:r>
-              <a:rPr lang="en-US" dirty="0" err="1"/>
+              <a:rPr lang="en-US" dirty="0"/>
               <a:t>api.example.com</a:t>
             </a:r>
-            <a:endParaRPr lang="en-US" dirty="0"/>
           </a:p>
         </p:txBody>
       </p:sp>
@@ -6820,10 +6824,9 @@
             <a:lstStyle/>
             <a:p>
               <a:r>
-                <a:rPr lang="en-US" sz="1000" dirty="0" err="1"/>
+                <a:rPr lang="en-US" sz="1000" dirty="0"/>
                 <a:t>api.example.com</a:t>
               </a:r>
-              <a:endParaRPr lang="en-US" sz="1000" dirty="0"/>
             </a:p>
           </p:txBody>
         </p:sp>
@@ -7437,10 +7440,9 @@
             <a:lstStyle/>
             <a:p>
               <a:r>
-                <a:rPr lang="en-US" sz="1000" dirty="0" err="1"/>
+                <a:rPr lang="en-US" sz="1000" dirty="0"/>
                 <a:t>api.example.com</a:t>
               </a:r>
-              <a:endParaRPr lang="en-US" sz="1000" dirty="0"/>
             </a:p>
           </p:txBody>
         </p:sp>

--- a/docs/images/MultiClusterIngress.pptx
+++ b/docs/images/MultiClusterIngress.pptx
@@ -5138,10 +5138,9 @@
           <a:lstStyle/>
           <a:p>
             <a:r>
-              <a:rPr lang="en-US" sz="1000" dirty="0" err="1"/>
+              <a:rPr lang="en-US" sz="1000" dirty="0"/>
               <a:t>envoyproxy</a:t>
             </a:r>
-            <a:endParaRPr lang="en-US" sz="1000" dirty="0"/>
           </a:p>
         </p:txBody>
       </p:sp>
@@ -5745,20 +5744,8 @@
           <a:lstStyle/>
           <a:p>
             <a:r>
-              <a:rPr lang="en-US" sz="1000" dirty="0" err="1"/>
-              <a:t>xDS</a:t>
-            </a:r>
-            <a:r>
               <a:rPr lang="en-US" sz="1000" dirty="0"/>
-              <a:t> </a:t>
-            </a:r>
-            <a:r>
-              <a:rPr lang="en-US" sz="1000" dirty="0" err="1"/>
-              <a:t>gRPC</a:t>
-            </a:r>
-            <a:r>
-              <a:rPr lang="en-US" sz="1000" dirty="0"/>
-              <a:t> calls</a:t>
+              <a:t>xDS gRPC calls</a:t>
             </a:r>
           </a:p>
         </p:txBody>
